--- a/lectures/CSE8AW20-02-11-Lec11-Arrays-Loops-Practice/CSE8AW20-02-11-Lec11-Java-Arrays-Loops-Practice-handout.pptx
+++ b/lectures/CSE8AW20-02-11-Lec11-Arrays-Loops-Practice/CSE8AW20-02-11-Lec11-Java-Arrays-Loops-Practice-handout.pptx
@@ -5649,7 +5649,7 @@
             </a:endParaRPr>
           </a:p>
           <a:p>
-            <a:endParaRPr lang="en-US" sz="800">
+            <a:endParaRPr lang="en-US" sz="800" dirty="0">
               <a:latin typeface="Consolas" panose="020B0609020204030204" pitchFamily="49" charset="0"/>
               <a:cs typeface="Consolas" panose="020B0609020204030204" pitchFamily="49" charset="0"/>
             </a:endParaRPr>
@@ -6721,6 +6721,422 @@
           </a:p>
         </p:txBody>
       </p:sp>
+      <p:sp>
+        <p:nvSpPr>
+          <p:cNvPr id="5" name="Rectangle 4">
+            <a:extLst>
+              <a:ext uri="{FF2B5EF4-FFF2-40B4-BE49-F238E27FC236}">
+                <a16:creationId xmlns:a16="http://schemas.microsoft.com/office/drawing/2014/main" id="{D4A13107-8E4C-6B4C-81E6-12131E7124E0}"/>
+              </a:ext>
+            </a:extLst>
+          </p:cNvPr>
+          <p:cNvSpPr/>
+          <p:nvPr/>
+        </p:nvSpPr>
+        <p:spPr>
+          <a:xfrm>
+            <a:off x="246098" y="6041380"/>
+            <a:ext cx="6352822" cy="2400657"/>
+          </a:xfrm>
+          <a:prstGeom prst="rect">
+            <a:avLst/>
+          </a:prstGeom>
+        </p:spPr>
+        <p:txBody>
+          <a:bodyPr wrap="square">
+            <a:spAutoFit/>
+          </a:bodyPr>
+          <a:lstStyle/>
+          <a:p>
+            <a:r>
+              <a:rPr lang="en-US" sz="1000" b="1" dirty="0">
+                <a:solidFill>
+                  <a:srgbClr val="000000"/>
+                </a:solidFill>
+                <a:latin typeface="Calibri" panose="020F0502020204030204" pitchFamily="34" charset="0"/>
+                <a:cs typeface="Calibri" panose="020F0502020204030204" pitchFamily="34" charset="0"/>
+              </a:rPr>
+              <a:t>Array Creation Template</a:t>
+            </a:r>
+            <a:endParaRPr lang="en-US" sz="1000" dirty="0">
+              <a:solidFill>
+                <a:srgbClr val="000000"/>
+              </a:solidFill>
+              <a:latin typeface="Calibri" panose="020F0502020204030204" pitchFamily="34" charset="0"/>
+              <a:cs typeface="Calibri" panose="020F0502020204030204" pitchFamily="34" charset="0"/>
+            </a:endParaRPr>
+          </a:p>
+          <a:p>
+            <a:endParaRPr lang="en-US" sz="1000" b="1" dirty="0">
+              <a:solidFill>
+                <a:srgbClr val="000000"/>
+              </a:solidFill>
+              <a:latin typeface="Calibri" panose="020F0502020204030204" pitchFamily="34" charset="0"/>
+              <a:cs typeface="Calibri" panose="020F0502020204030204" pitchFamily="34" charset="0"/>
+            </a:endParaRPr>
+          </a:p>
+          <a:p>
+            <a:r>
+              <a:rPr lang="en-US" sz="1000" i="1" dirty="0">
+                <a:solidFill>
+                  <a:srgbClr val="000000"/>
+                </a:solidFill>
+                <a:latin typeface="Calibri" panose="020F0502020204030204" pitchFamily="34" charset="0"/>
+                <a:cs typeface="Calibri" panose="020F0502020204030204" pitchFamily="34" charset="0"/>
+              </a:rPr>
+              <a:t>You can get much more creative than this, but this template describes a lot of methods that create</a:t>
+            </a:r>
+          </a:p>
+          <a:p>
+            <a:r>
+              <a:rPr lang="en-US" sz="1000" i="1" dirty="0">
+                <a:solidFill>
+                  <a:srgbClr val="000000"/>
+                </a:solidFill>
+                <a:latin typeface="Calibri" panose="020F0502020204030204" pitchFamily="34" charset="0"/>
+                <a:cs typeface="Calibri" panose="020F0502020204030204" pitchFamily="34" charset="0"/>
+              </a:rPr>
+              <a:t>and return new arrays based on their argument values.</a:t>
+            </a:r>
+            <a:endParaRPr lang="en-US" sz="1000" dirty="0">
+              <a:solidFill>
+                <a:srgbClr val="000000"/>
+              </a:solidFill>
+              <a:latin typeface="Consolas" panose="020B0609020204030204" pitchFamily="49" charset="0"/>
+              <a:cs typeface="Consolas" panose="020B0609020204030204" pitchFamily="49" charset="0"/>
+            </a:endParaRPr>
+          </a:p>
+          <a:p>
+            <a:endParaRPr lang="en-US" sz="1000" dirty="0">
+              <a:solidFill>
+                <a:srgbClr val="000000"/>
+              </a:solidFill>
+              <a:latin typeface="Consolas" panose="020B0609020204030204" pitchFamily="49" charset="0"/>
+              <a:cs typeface="Consolas" panose="020B0609020204030204" pitchFamily="49" charset="0"/>
+            </a:endParaRPr>
+          </a:p>
+          <a:p>
+            <a:r>
+              <a:rPr lang="en-US" sz="1000" dirty="0">
+                <a:solidFill>
+                  <a:srgbClr val="000000"/>
+                </a:solidFill>
+                <a:latin typeface="Consolas" panose="020B0609020204030204" pitchFamily="49" charset="0"/>
+                <a:cs typeface="Consolas" panose="020B0609020204030204" pitchFamily="49" charset="0"/>
+              </a:rPr>
+              <a:t>int[] &lt;</a:t>
+            </a:r>
+            <a:r>
+              <a:rPr lang="en-US" sz="1000" dirty="0" err="1">
+                <a:solidFill>
+                  <a:srgbClr val="000000"/>
+                </a:solidFill>
+                <a:latin typeface="Consolas" panose="020B0609020204030204" pitchFamily="49" charset="0"/>
+                <a:cs typeface="Consolas" panose="020B0609020204030204" pitchFamily="49" charset="0"/>
+              </a:rPr>
+              <a:t>methodName</a:t>
+            </a:r>
+            <a:r>
+              <a:rPr lang="en-US" sz="1000" dirty="0">
+                <a:solidFill>
+                  <a:srgbClr val="000000"/>
+                </a:solidFill>
+                <a:latin typeface="Consolas" panose="020B0609020204030204" pitchFamily="49" charset="0"/>
+                <a:cs typeface="Consolas" panose="020B0609020204030204" pitchFamily="49" charset="0"/>
+              </a:rPr>
+              <a:t>&gt; (...) {</a:t>
+            </a:r>
+            <a:endParaRPr lang="en-US" sz="1000" dirty="0">
+              <a:latin typeface="Consolas" panose="020B0609020204030204" pitchFamily="49" charset="0"/>
+              <a:cs typeface="Consolas" panose="020B0609020204030204" pitchFamily="49" charset="0"/>
+            </a:endParaRPr>
+          </a:p>
+          <a:p>
+            <a:r>
+              <a:rPr lang="en-US" sz="1000" dirty="0">
+                <a:solidFill>
+                  <a:srgbClr val="000000"/>
+                </a:solidFill>
+                <a:latin typeface="Consolas" panose="020B0609020204030204" pitchFamily="49" charset="0"/>
+                <a:cs typeface="Consolas" panose="020B0609020204030204" pitchFamily="49" charset="0"/>
+              </a:rPr>
+              <a:t>  int size = &lt;decide on size&gt;;</a:t>
+            </a:r>
+            <a:endParaRPr lang="en-US" sz="1000" dirty="0">
+              <a:latin typeface="Consolas" panose="020B0609020204030204" pitchFamily="49" charset="0"/>
+              <a:cs typeface="Consolas" panose="020B0609020204030204" pitchFamily="49" charset="0"/>
+            </a:endParaRPr>
+          </a:p>
+          <a:p>
+            <a:r>
+              <a:rPr lang="en-US" sz="1000" dirty="0">
+                <a:solidFill>
+                  <a:srgbClr val="000000"/>
+                </a:solidFill>
+                <a:latin typeface="Consolas" panose="020B0609020204030204" pitchFamily="49" charset="0"/>
+                <a:cs typeface="Consolas" panose="020B0609020204030204" pitchFamily="49" charset="0"/>
+              </a:rPr>
+              <a:t>  int[] </a:t>
+            </a:r>
+            <a:r>
+              <a:rPr lang="en-US" sz="1000" dirty="0" err="1">
+                <a:solidFill>
+                  <a:srgbClr val="000000"/>
+                </a:solidFill>
+                <a:latin typeface="Consolas" panose="020B0609020204030204" pitchFamily="49" charset="0"/>
+                <a:cs typeface="Consolas" panose="020B0609020204030204" pitchFamily="49" charset="0"/>
+              </a:rPr>
+              <a:t>newArray</a:t>
+            </a:r>
+            <a:r>
+              <a:rPr lang="en-US" sz="1000" dirty="0">
+                <a:solidFill>
+                  <a:srgbClr val="000000"/>
+                </a:solidFill>
+                <a:latin typeface="Consolas" panose="020B0609020204030204" pitchFamily="49" charset="0"/>
+                <a:cs typeface="Consolas" panose="020B0609020204030204" pitchFamily="49" charset="0"/>
+              </a:rPr>
+              <a:t> = new int[size];</a:t>
+            </a:r>
+            <a:endParaRPr lang="en-US" sz="1000" dirty="0">
+              <a:latin typeface="Consolas" panose="020B0609020204030204" pitchFamily="49" charset="0"/>
+              <a:cs typeface="Consolas" panose="020B0609020204030204" pitchFamily="49" charset="0"/>
+            </a:endParaRPr>
+          </a:p>
+          <a:p>
+            <a:r>
+              <a:rPr lang="en-US" sz="1000" dirty="0">
+                <a:solidFill>
+                  <a:srgbClr val="000000"/>
+                </a:solidFill>
+                <a:latin typeface="Consolas" panose="020B0609020204030204" pitchFamily="49" charset="0"/>
+                <a:cs typeface="Consolas" panose="020B0609020204030204" pitchFamily="49" charset="0"/>
+              </a:rPr>
+              <a:t>  for(int </a:t>
+            </a:r>
+            <a:r>
+              <a:rPr lang="en-US" sz="1000" dirty="0" err="1">
+                <a:solidFill>
+                  <a:srgbClr val="000000"/>
+                </a:solidFill>
+                <a:latin typeface="Consolas" panose="020B0609020204030204" pitchFamily="49" charset="0"/>
+                <a:cs typeface="Consolas" panose="020B0609020204030204" pitchFamily="49" charset="0"/>
+              </a:rPr>
+              <a:t>i</a:t>
+            </a:r>
+            <a:r>
+              <a:rPr lang="en-US" sz="1000" dirty="0">
+                <a:solidFill>
+                  <a:srgbClr val="000000"/>
+                </a:solidFill>
+                <a:latin typeface="Consolas" panose="020B0609020204030204" pitchFamily="49" charset="0"/>
+                <a:cs typeface="Consolas" panose="020B0609020204030204" pitchFamily="49" charset="0"/>
+              </a:rPr>
+              <a:t> = 0; </a:t>
+            </a:r>
+            <a:r>
+              <a:rPr lang="en-US" sz="1000" dirty="0" err="1">
+                <a:solidFill>
+                  <a:srgbClr val="000000"/>
+                </a:solidFill>
+                <a:latin typeface="Consolas" panose="020B0609020204030204" pitchFamily="49" charset="0"/>
+                <a:cs typeface="Consolas" panose="020B0609020204030204" pitchFamily="49" charset="0"/>
+              </a:rPr>
+              <a:t>i</a:t>
+            </a:r>
+            <a:r>
+              <a:rPr lang="en-US" sz="1000" dirty="0">
+                <a:solidFill>
+                  <a:srgbClr val="000000"/>
+                </a:solidFill>
+                <a:latin typeface="Consolas" panose="020B0609020204030204" pitchFamily="49" charset="0"/>
+                <a:cs typeface="Consolas" panose="020B0609020204030204" pitchFamily="49" charset="0"/>
+              </a:rPr>
+              <a:t> &lt; size; </a:t>
+            </a:r>
+            <a:r>
+              <a:rPr lang="en-US" sz="1000" dirty="0" err="1">
+                <a:solidFill>
+                  <a:srgbClr val="000000"/>
+                </a:solidFill>
+                <a:latin typeface="Consolas" panose="020B0609020204030204" pitchFamily="49" charset="0"/>
+                <a:cs typeface="Consolas" panose="020B0609020204030204" pitchFamily="49" charset="0"/>
+              </a:rPr>
+              <a:t>i</a:t>
+            </a:r>
+            <a:r>
+              <a:rPr lang="en-US" sz="1000" dirty="0">
+                <a:solidFill>
+                  <a:srgbClr val="000000"/>
+                </a:solidFill>
+                <a:latin typeface="Consolas" panose="020B0609020204030204" pitchFamily="49" charset="0"/>
+                <a:cs typeface="Consolas" panose="020B0609020204030204" pitchFamily="49" charset="0"/>
+              </a:rPr>
+              <a:t> += 1) {</a:t>
+            </a:r>
+            <a:endParaRPr lang="en-US" sz="1000" dirty="0">
+              <a:latin typeface="Consolas" panose="020B0609020204030204" pitchFamily="49" charset="0"/>
+              <a:cs typeface="Consolas" panose="020B0609020204030204" pitchFamily="49" charset="0"/>
+            </a:endParaRPr>
+          </a:p>
+          <a:p>
+            <a:r>
+              <a:rPr lang="en-US" sz="1000" dirty="0">
+                <a:solidFill>
+                  <a:srgbClr val="000000"/>
+                </a:solidFill>
+                <a:latin typeface="Consolas" panose="020B0609020204030204" pitchFamily="49" charset="0"/>
+                <a:cs typeface="Consolas" panose="020B0609020204030204" pitchFamily="49" charset="0"/>
+              </a:rPr>
+              <a:t>    </a:t>
+            </a:r>
+            <a:r>
+              <a:rPr lang="en-US" sz="1000" dirty="0" err="1">
+                <a:solidFill>
+                  <a:srgbClr val="000000"/>
+                </a:solidFill>
+                <a:latin typeface="Consolas" panose="020B0609020204030204" pitchFamily="49" charset="0"/>
+                <a:cs typeface="Consolas" panose="020B0609020204030204" pitchFamily="49" charset="0"/>
+              </a:rPr>
+              <a:t>newArray</a:t>
+            </a:r>
+            <a:r>
+              <a:rPr lang="en-US" sz="1000" dirty="0">
+                <a:solidFill>
+                  <a:srgbClr val="000000"/>
+                </a:solidFill>
+                <a:latin typeface="Consolas" panose="020B0609020204030204" pitchFamily="49" charset="0"/>
+                <a:cs typeface="Consolas" panose="020B0609020204030204" pitchFamily="49" charset="0"/>
+              </a:rPr>
+              <a:t>[</a:t>
+            </a:r>
+            <a:r>
+              <a:rPr lang="en-US" sz="1000" dirty="0" err="1">
+                <a:solidFill>
+                  <a:srgbClr val="000000"/>
+                </a:solidFill>
+                <a:latin typeface="Consolas" panose="020B0609020204030204" pitchFamily="49" charset="0"/>
+                <a:cs typeface="Consolas" panose="020B0609020204030204" pitchFamily="49" charset="0"/>
+              </a:rPr>
+              <a:t>i</a:t>
+            </a:r>
+            <a:r>
+              <a:rPr lang="en-US" sz="1000" dirty="0">
+                <a:solidFill>
+                  <a:srgbClr val="000000"/>
+                </a:solidFill>
+                <a:latin typeface="Consolas" panose="020B0609020204030204" pitchFamily="49" charset="0"/>
+                <a:cs typeface="Consolas" panose="020B0609020204030204" pitchFamily="49" charset="0"/>
+              </a:rPr>
+              <a:t>] = &lt;expression to compute value based on params and </a:t>
+            </a:r>
+            <a:r>
+              <a:rPr lang="en-US" sz="1000" dirty="0" err="1">
+                <a:solidFill>
+                  <a:srgbClr val="000000"/>
+                </a:solidFill>
+                <a:latin typeface="Consolas" panose="020B0609020204030204" pitchFamily="49" charset="0"/>
+                <a:cs typeface="Consolas" panose="020B0609020204030204" pitchFamily="49" charset="0"/>
+              </a:rPr>
+              <a:t>i</a:t>
+            </a:r>
+            <a:r>
+              <a:rPr lang="en-US" sz="1000" dirty="0">
+                <a:solidFill>
+                  <a:srgbClr val="000000"/>
+                </a:solidFill>
+                <a:latin typeface="Consolas" panose="020B0609020204030204" pitchFamily="49" charset="0"/>
+                <a:cs typeface="Consolas" panose="020B0609020204030204" pitchFamily="49" charset="0"/>
+              </a:rPr>
+              <a:t>&gt;;</a:t>
+            </a:r>
+            <a:endParaRPr lang="en-US" sz="1000" dirty="0">
+              <a:latin typeface="Consolas" panose="020B0609020204030204" pitchFamily="49" charset="0"/>
+              <a:cs typeface="Consolas" panose="020B0609020204030204" pitchFamily="49" charset="0"/>
+            </a:endParaRPr>
+          </a:p>
+          <a:p>
+            <a:r>
+              <a:rPr lang="en-US" sz="1000" dirty="0">
+                <a:solidFill>
+                  <a:srgbClr val="000000"/>
+                </a:solidFill>
+                <a:latin typeface="Consolas" panose="020B0609020204030204" pitchFamily="49" charset="0"/>
+                <a:cs typeface="Consolas" panose="020B0609020204030204" pitchFamily="49" charset="0"/>
+              </a:rPr>
+              <a:t>  }</a:t>
+            </a:r>
+            <a:endParaRPr lang="en-US" sz="1000" dirty="0">
+              <a:latin typeface="Consolas" panose="020B0609020204030204" pitchFamily="49" charset="0"/>
+              <a:cs typeface="Consolas" panose="020B0609020204030204" pitchFamily="49" charset="0"/>
+            </a:endParaRPr>
+          </a:p>
+          <a:p>
+            <a:r>
+              <a:rPr lang="en-US" sz="1000" dirty="0">
+                <a:solidFill>
+                  <a:srgbClr val="000000"/>
+                </a:solidFill>
+                <a:latin typeface="Consolas" panose="020B0609020204030204" pitchFamily="49" charset="0"/>
+                <a:cs typeface="Consolas" panose="020B0609020204030204" pitchFamily="49" charset="0"/>
+              </a:rPr>
+              <a:t>  return </a:t>
+            </a:r>
+            <a:r>
+              <a:rPr lang="en-US" sz="1000" dirty="0" err="1">
+                <a:solidFill>
+                  <a:srgbClr val="000000"/>
+                </a:solidFill>
+                <a:latin typeface="Consolas" panose="020B0609020204030204" pitchFamily="49" charset="0"/>
+                <a:cs typeface="Consolas" panose="020B0609020204030204" pitchFamily="49" charset="0"/>
+              </a:rPr>
+              <a:t>newArray</a:t>
+            </a:r>
+            <a:r>
+              <a:rPr lang="en-US" sz="1000" dirty="0">
+                <a:solidFill>
+                  <a:srgbClr val="000000"/>
+                </a:solidFill>
+                <a:latin typeface="Consolas" panose="020B0609020204030204" pitchFamily="49" charset="0"/>
+                <a:cs typeface="Consolas" panose="020B0609020204030204" pitchFamily="49" charset="0"/>
+              </a:rPr>
+              <a:t>;</a:t>
+            </a:r>
+            <a:endParaRPr lang="en-US" sz="1000" dirty="0">
+              <a:latin typeface="Consolas" panose="020B0609020204030204" pitchFamily="49" charset="0"/>
+              <a:cs typeface="Consolas" panose="020B0609020204030204" pitchFamily="49" charset="0"/>
+            </a:endParaRPr>
+          </a:p>
+          <a:p>
+            <a:r>
+              <a:rPr lang="en-US" sz="1000" dirty="0">
+                <a:solidFill>
+                  <a:srgbClr val="000000"/>
+                </a:solidFill>
+                <a:latin typeface="Consolas" panose="020B0609020204030204" pitchFamily="49" charset="0"/>
+                <a:cs typeface="Consolas" panose="020B0609020204030204" pitchFamily="49" charset="0"/>
+              </a:rPr>
+              <a:t>}</a:t>
+            </a:r>
+            <a:endParaRPr lang="en-US" sz="1000" dirty="0">
+              <a:latin typeface="Consolas" panose="020B0609020204030204" pitchFamily="49" charset="0"/>
+              <a:cs typeface="Consolas" panose="020B0609020204030204" pitchFamily="49" charset="0"/>
+            </a:endParaRPr>
+          </a:p>
+          <a:p>
+            <a:br>
+              <a:rPr lang="en-US" sz="1000" dirty="0">
+                <a:latin typeface="Consolas" panose="020B0609020204030204" pitchFamily="49" charset="0"/>
+                <a:cs typeface="Consolas" panose="020B0609020204030204" pitchFamily="49" charset="0"/>
+              </a:rPr>
+            </a:br>
+            <a:endParaRPr lang="en-US" sz="1000" dirty="0">
+              <a:latin typeface="Consolas" panose="020B0609020204030204" pitchFamily="49" charset="0"/>
+              <a:cs typeface="Consolas" panose="020B0609020204030204" pitchFamily="49" charset="0"/>
+            </a:endParaRPr>
+          </a:p>
+        </p:txBody>
+      </p:sp>
     </p:spTree>
     <p:extLst>
       <p:ext uri="{BB962C8B-B14F-4D97-AF65-F5344CB8AC3E}">
